--- a/ppt 16-9/0355.仰望主得生.pptx
+++ b/ppt 16-9/0355.仰望主得生.pptx
@@ -129,7 +129,7 @@
           <p:cNvPr id="2" name="标题 1">
             <a:extLst>
               <a:ext uri="{FF2B5EF4-FFF2-40B4-BE49-F238E27FC236}">
-                <a16:creationId xmlns:a16="http://schemas.microsoft.com/office/drawing/2014/main" id="{D736B034-594C-2A8B-01A9-6B6F30CE6315}"/>
+                <a16:creationId xmlns:a16="http://schemas.microsoft.com/office/drawing/2014/main" id="{04EB22AA-E6D9-4AF2-6149-0297D9C29A65}"/>
               </a:ext>
             </a:extLst>
           </p:cNvPr>
@@ -166,7 +166,7 @@
           <p:cNvPr id="3" name="副标题 2">
             <a:extLst>
               <a:ext uri="{FF2B5EF4-FFF2-40B4-BE49-F238E27FC236}">
-                <a16:creationId xmlns:a16="http://schemas.microsoft.com/office/drawing/2014/main" id="{E7F06DCC-0508-A473-C161-FC2629C5D4EF}"/>
+                <a16:creationId xmlns:a16="http://schemas.microsoft.com/office/drawing/2014/main" id="{1875CE2B-4BBD-4C8A-197C-92598B0B444D}"/>
               </a:ext>
             </a:extLst>
           </p:cNvPr>
@@ -236,7 +236,7 @@
           <p:cNvPr id="4" name="日期占位符 3">
             <a:extLst>
               <a:ext uri="{FF2B5EF4-FFF2-40B4-BE49-F238E27FC236}">
-                <a16:creationId xmlns:a16="http://schemas.microsoft.com/office/drawing/2014/main" id="{47DC5759-4FD5-0AFD-7E99-49F44BF9B9FC}"/>
+                <a16:creationId xmlns:a16="http://schemas.microsoft.com/office/drawing/2014/main" id="{49F421DF-FF56-4B5D-6AE3-221047F815DC}"/>
               </a:ext>
             </a:extLst>
           </p:cNvPr>
@@ -252,7 +252,7 @@
           <a:bodyPr/>
           <a:lstStyle/>
           <a:p>
-            <a:fld id="{5D310505-20E1-41E1-A188-E6A4CE066D20}" type="datetimeFigureOut">
+            <a:fld id="{52D7ADF4-24AA-4D49-B14E-74C327137F1D}" type="datetimeFigureOut">
               <a:rPr lang="zh-CN" altLang="en-US" smtClean="0"/>
               <a:t>2024/3/10</a:t>
             </a:fld>
@@ -265,7 +265,7 @@
           <p:cNvPr id="5" name="页脚占位符 4">
             <a:extLst>
               <a:ext uri="{FF2B5EF4-FFF2-40B4-BE49-F238E27FC236}">
-                <a16:creationId xmlns:a16="http://schemas.microsoft.com/office/drawing/2014/main" id="{9B1A041C-5289-1836-CDD9-238C2F88A1B6}"/>
+                <a16:creationId xmlns:a16="http://schemas.microsoft.com/office/drawing/2014/main" id="{CF04F807-F367-8B08-2AF8-3710E22B78A8}"/>
               </a:ext>
             </a:extLst>
           </p:cNvPr>
@@ -290,7 +290,7 @@
           <p:cNvPr id="6" name="灯片编号占位符 5">
             <a:extLst>
               <a:ext uri="{FF2B5EF4-FFF2-40B4-BE49-F238E27FC236}">
-                <a16:creationId xmlns:a16="http://schemas.microsoft.com/office/drawing/2014/main" id="{755E9B45-F124-2A52-D880-665CECB74793}"/>
+                <a16:creationId xmlns:a16="http://schemas.microsoft.com/office/drawing/2014/main" id="{FD8692E1-788C-E30C-54F7-DDF323834899}"/>
               </a:ext>
             </a:extLst>
           </p:cNvPr>
@@ -306,7 +306,7 @@
           <a:bodyPr/>
           <a:lstStyle/>
           <a:p>
-            <a:fld id="{270E0005-A99C-4DC7-A977-26D7A5AAF2A1}" type="slidenum">
+            <a:fld id="{0134E993-5A7A-4A3C-9AEE-CA806376EDC8}" type="slidenum">
               <a:rPr lang="zh-CN" altLang="en-US" smtClean="0"/>
               <a:t>‹#›</a:t>
             </a:fld>
@@ -317,7 +317,7 @@
     </p:spTree>
     <p:extLst>
       <p:ext uri="{BB962C8B-B14F-4D97-AF65-F5344CB8AC3E}">
-        <p14:creationId xmlns:p14="http://schemas.microsoft.com/office/powerpoint/2010/main" val="970275752"/>
+        <p14:creationId xmlns:p14="http://schemas.microsoft.com/office/powerpoint/2010/main" val="3783945709"/>
       </p:ext>
     </p:extLst>
   </p:cSld>
@@ -349,7 +349,7 @@
           <p:cNvPr id="2" name="标题 1">
             <a:extLst>
               <a:ext uri="{FF2B5EF4-FFF2-40B4-BE49-F238E27FC236}">
-                <a16:creationId xmlns:a16="http://schemas.microsoft.com/office/drawing/2014/main" id="{CC4FC66C-C259-871E-6494-86B5741DC8C1}"/>
+                <a16:creationId xmlns:a16="http://schemas.microsoft.com/office/drawing/2014/main" id="{5975292E-0148-8074-76CA-D952F25A6EAA}"/>
               </a:ext>
             </a:extLst>
           </p:cNvPr>
@@ -377,7 +377,7 @@
           <p:cNvPr id="3" name="竖排文字占位符 2">
             <a:extLst>
               <a:ext uri="{FF2B5EF4-FFF2-40B4-BE49-F238E27FC236}">
-                <a16:creationId xmlns:a16="http://schemas.microsoft.com/office/drawing/2014/main" id="{3ADF0F9B-F770-0305-4F47-693674E7FD9D}"/>
+                <a16:creationId xmlns:a16="http://schemas.microsoft.com/office/drawing/2014/main" id="{984C6203-1654-E388-9DEA-E1BD4CA9415F}"/>
               </a:ext>
             </a:extLst>
           </p:cNvPr>
@@ -434,7 +434,7 @@
           <p:cNvPr id="4" name="日期占位符 3">
             <a:extLst>
               <a:ext uri="{FF2B5EF4-FFF2-40B4-BE49-F238E27FC236}">
-                <a16:creationId xmlns:a16="http://schemas.microsoft.com/office/drawing/2014/main" id="{D9B4B1FB-3EFB-D9C6-1FDE-B32B6F0A6231}"/>
+                <a16:creationId xmlns:a16="http://schemas.microsoft.com/office/drawing/2014/main" id="{8F35D424-2C4E-3E8C-79B5-3C4273ABEF70}"/>
               </a:ext>
             </a:extLst>
           </p:cNvPr>
@@ -450,7 +450,7 @@
           <a:bodyPr/>
           <a:lstStyle/>
           <a:p>
-            <a:fld id="{5D310505-20E1-41E1-A188-E6A4CE066D20}" type="datetimeFigureOut">
+            <a:fld id="{52D7ADF4-24AA-4D49-B14E-74C327137F1D}" type="datetimeFigureOut">
               <a:rPr lang="zh-CN" altLang="en-US" smtClean="0"/>
               <a:t>2024/3/10</a:t>
             </a:fld>
@@ -463,7 +463,7 @@
           <p:cNvPr id="5" name="页脚占位符 4">
             <a:extLst>
               <a:ext uri="{FF2B5EF4-FFF2-40B4-BE49-F238E27FC236}">
-                <a16:creationId xmlns:a16="http://schemas.microsoft.com/office/drawing/2014/main" id="{4863B825-8D64-65DA-9D80-1B7668AAB591}"/>
+                <a16:creationId xmlns:a16="http://schemas.microsoft.com/office/drawing/2014/main" id="{0C6965D2-3964-DA44-9F09-A8C111165E53}"/>
               </a:ext>
             </a:extLst>
           </p:cNvPr>
@@ -488,7 +488,7 @@
           <p:cNvPr id="6" name="灯片编号占位符 5">
             <a:extLst>
               <a:ext uri="{FF2B5EF4-FFF2-40B4-BE49-F238E27FC236}">
-                <a16:creationId xmlns:a16="http://schemas.microsoft.com/office/drawing/2014/main" id="{2FA44CBC-B5EE-2C41-727C-03FE61F03F40}"/>
+                <a16:creationId xmlns:a16="http://schemas.microsoft.com/office/drawing/2014/main" id="{9A36E72E-25D7-6D62-B543-9E0289BFAE74}"/>
               </a:ext>
             </a:extLst>
           </p:cNvPr>
@@ -504,7 +504,7 @@
           <a:bodyPr/>
           <a:lstStyle/>
           <a:p>
-            <a:fld id="{270E0005-A99C-4DC7-A977-26D7A5AAF2A1}" type="slidenum">
+            <a:fld id="{0134E993-5A7A-4A3C-9AEE-CA806376EDC8}" type="slidenum">
               <a:rPr lang="zh-CN" altLang="en-US" smtClean="0"/>
               <a:t>‹#›</a:t>
             </a:fld>
@@ -515,7 +515,7 @@
     </p:spTree>
     <p:extLst>
       <p:ext uri="{BB962C8B-B14F-4D97-AF65-F5344CB8AC3E}">
-        <p14:creationId xmlns:p14="http://schemas.microsoft.com/office/powerpoint/2010/main" val="673578641"/>
+        <p14:creationId xmlns:p14="http://schemas.microsoft.com/office/powerpoint/2010/main" val="1931933599"/>
       </p:ext>
     </p:extLst>
   </p:cSld>
@@ -547,7 +547,7 @@
           <p:cNvPr id="2" name="竖排标题 1">
             <a:extLst>
               <a:ext uri="{FF2B5EF4-FFF2-40B4-BE49-F238E27FC236}">
-                <a16:creationId xmlns:a16="http://schemas.microsoft.com/office/drawing/2014/main" id="{B2C658B0-BEFA-26C8-7A7E-0CE2E08A317A}"/>
+                <a16:creationId xmlns:a16="http://schemas.microsoft.com/office/drawing/2014/main" id="{CEDA9001-266A-2E1D-6626-951F243900BA}"/>
               </a:ext>
             </a:extLst>
           </p:cNvPr>
@@ -580,7 +580,7 @@
           <p:cNvPr id="3" name="竖排文字占位符 2">
             <a:extLst>
               <a:ext uri="{FF2B5EF4-FFF2-40B4-BE49-F238E27FC236}">
-                <a16:creationId xmlns:a16="http://schemas.microsoft.com/office/drawing/2014/main" id="{2C373C8F-7AAA-8F4E-9275-A99A674DEA07}"/>
+                <a16:creationId xmlns:a16="http://schemas.microsoft.com/office/drawing/2014/main" id="{ED7162C1-6E89-4A6E-7DD7-9BA5FA77FE43}"/>
               </a:ext>
             </a:extLst>
           </p:cNvPr>
@@ -642,7 +642,7 @@
           <p:cNvPr id="4" name="日期占位符 3">
             <a:extLst>
               <a:ext uri="{FF2B5EF4-FFF2-40B4-BE49-F238E27FC236}">
-                <a16:creationId xmlns:a16="http://schemas.microsoft.com/office/drawing/2014/main" id="{C9810781-7F8B-CE7B-09B2-9003FF5FE5B5}"/>
+                <a16:creationId xmlns:a16="http://schemas.microsoft.com/office/drawing/2014/main" id="{83D97D4B-22D2-0664-C07F-11CD89B956AF}"/>
               </a:ext>
             </a:extLst>
           </p:cNvPr>
@@ -658,7 +658,7 @@
           <a:bodyPr/>
           <a:lstStyle/>
           <a:p>
-            <a:fld id="{5D310505-20E1-41E1-A188-E6A4CE066D20}" type="datetimeFigureOut">
+            <a:fld id="{52D7ADF4-24AA-4D49-B14E-74C327137F1D}" type="datetimeFigureOut">
               <a:rPr lang="zh-CN" altLang="en-US" smtClean="0"/>
               <a:t>2024/3/10</a:t>
             </a:fld>
@@ -671,7 +671,7 @@
           <p:cNvPr id="5" name="页脚占位符 4">
             <a:extLst>
               <a:ext uri="{FF2B5EF4-FFF2-40B4-BE49-F238E27FC236}">
-                <a16:creationId xmlns:a16="http://schemas.microsoft.com/office/drawing/2014/main" id="{F71F5B56-2F4C-5617-B7F8-2AE9A2C60DA6}"/>
+                <a16:creationId xmlns:a16="http://schemas.microsoft.com/office/drawing/2014/main" id="{6D7A7F97-0F20-14E4-C2A6-F8EE40999433}"/>
               </a:ext>
             </a:extLst>
           </p:cNvPr>
@@ -696,7 +696,7 @@
           <p:cNvPr id="6" name="灯片编号占位符 5">
             <a:extLst>
               <a:ext uri="{FF2B5EF4-FFF2-40B4-BE49-F238E27FC236}">
-                <a16:creationId xmlns:a16="http://schemas.microsoft.com/office/drawing/2014/main" id="{67ABCDFC-8660-4DBE-E24F-C3BB7D90145D}"/>
+                <a16:creationId xmlns:a16="http://schemas.microsoft.com/office/drawing/2014/main" id="{E7898C14-1B10-4E8D-5EE7-CB7A83F1E4CE}"/>
               </a:ext>
             </a:extLst>
           </p:cNvPr>
@@ -712,7 +712,7 @@
           <a:bodyPr/>
           <a:lstStyle/>
           <a:p>
-            <a:fld id="{270E0005-A99C-4DC7-A977-26D7A5AAF2A1}" type="slidenum">
+            <a:fld id="{0134E993-5A7A-4A3C-9AEE-CA806376EDC8}" type="slidenum">
               <a:rPr lang="zh-CN" altLang="en-US" smtClean="0"/>
               <a:t>‹#›</a:t>
             </a:fld>
@@ -723,7 +723,7 @@
     </p:spTree>
     <p:extLst>
       <p:ext uri="{BB962C8B-B14F-4D97-AF65-F5344CB8AC3E}">
-        <p14:creationId xmlns:p14="http://schemas.microsoft.com/office/powerpoint/2010/main" val="180916429"/>
+        <p14:creationId xmlns:p14="http://schemas.microsoft.com/office/powerpoint/2010/main" val="4176402795"/>
       </p:ext>
     </p:extLst>
   </p:cSld>
@@ -755,7 +755,7 @@
           <p:cNvPr id="2" name="标题 1">
             <a:extLst>
               <a:ext uri="{FF2B5EF4-FFF2-40B4-BE49-F238E27FC236}">
-                <a16:creationId xmlns:a16="http://schemas.microsoft.com/office/drawing/2014/main" id="{4B8326D3-6C86-FB3B-517C-EE9A7387799C}"/>
+                <a16:creationId xmlns:a16="http://schemas.microsoft.com/office/drawing/2014/main" id="{741623E4-F0AB-2514-DEB4-D8C8BA2D3A21}"/>
               </a:ext>
             </a:extLst>
           </p:cNvPr>
@@ -783,7 +783,7 @@
           <p:cNvPr id="3" name="内容占位符 2">
             <a:extLst>
               <a:ext uri="{FF2B5EF4-FFF2-40B4-BE49-F238E27FC236}">
-                <a16:creationId xmlns:a16="http://schemas.microsoft.com/office/drawing/2014/main" id="{903FA0C4-9976-AC68-9C04-58A7DAA4A7F7}"/>
+                <a16:creationId xmlns:a16="http://schemas.microsoft.com/office/drawing/2014/main" id="{B6029640-2C05-357F-678E-E0188F4FDB41}"/>
               </a:ext>
             </a:extLst>
           </p:cNvPr>
@@ -840,7 +840,7 @@
           <p:cNvPr id="4" name="日期占位符 3">
             <a:extLst>
               <a:ext uri="{FF2B5EF4-FFF2-40B4-BE49-F238E27FC236}">
-                <a16:creationId xmlns:a16="http://schemas.microsoft.com/office/drawing/2014/main" id="{D7896A18-46DB-E599-B692-A8BBB770FFB7}"/>
+                <a16:creationId xmlns:a16="http://schemas.microsoft.com/office/drawing/2014/main" id="{573C2332-6F3F-CB09-9EFF-8B6446A03245}"/>
               </a:ext>
             </a:extLst>
           </p:cNvPr>
@@ -856,7 +856,7 @@
           <a:bodyPr/>
           <a:lstStyle/>
           <a:p>
-            <a:fld id="{5D310505-20E1-41E1-A188-E6A4CE066D20}" type="datetimeFigureOut">
+            <a:fld id="{52D7ADF4-24AA-4D49-B14E-74C327137F1D}" type="datetimeFigureOut">
               <a:rPr lang="zh-CN" altLang="en-US" smtClean="0"/>
               <a:t>2024/3/10</a:t>
             </a:fld>
@@ -869,7 +869,7 @@
           <p:cNvPr id="5" name="页脚占位符 4">
             <a:extLst>
               <a:ext uri="{FF2B5EF4-FFF2-40B4-BE49-F238E27FC236}">
-                <a16:creationId xmlns:a16="http://schemas.microsoft.com/office/drawing/2014/main" id="{E5394F87-6265-585B-2A38-C67FC10CFACB}"/>
+                <a16:creationId xmlns:a16="http://schemas.microsoft.com/office/drawing/2014/main" id="{69724F16-B3D8-7B5C-D59D-A77DE4522113}"/>
               </a:ext>
             </a:extLst>
           </p:cNvPr>
@@ -894,7 +894,7 @@
           <p:cNvPr id="6" name="灯片编号占位符 5">
             <a:extLst>
               <a:ext uri="{FF2B5EF4-FFF2-40B4-BE49-F238E27FC236}">
-                <a16:creationId xmlns:a16="http://schemas.microsoft.com/office/drawing/2014/main" id="{4118C2F7-ED42-1A0B-3E99-3E9E49D48349}"/>
+                <a16:creationId xmlns:a16="http://schemas.microsoft.com/office/drawing/2014/main" id="{9341739B-078E-4ACF-1D9F-5D7C6E50D777}"/>
               </a:ext>
             </a:extLst>
           </p:cNvPr>
@@ -910,7 +910,7 @@
           <a:bodyPr/>
           <a:lstStyle/>
           <a:p>
-            <a:fld id="{270E0005-A99C-4DC7-A977-26D7A5AAF2A1}" type="slidenum">
+            <a:fld id="{0134E993-5A7A-4A3C-9AEE-CA806376EDC8}" type="slidenum">
               <a:rPr lang="zh-CN" altLang="en-US" smtClean="0"/>
               <a:t>‹#›</a:t>
             </a:fld>
@@ -921,7 +921,7 @@
     </p:spTree>
     <p:extLst>
       <p:ext uri="{BB962C8B-B14F-4D97-AF65-F5344CB8AC3E}">
-        <p14:creationId xmlns:p14="http://schemas.microsoft.com/office/powerpoint/2010/main" val="1557505936"/>
+        <p14:creationId xmlns:p14="http://schemas.microsoft.com/office/powerpoint/2010/main" val="1224970561"/>
       </p:ext>
     </p:extLst>
   </p:cSld>
@@ -953,7 +953,7 @@
           <p:cNvPr id="2" name="标题 1">
             <a:extLst>
               <a:ext uri="{FF2B5EF4-FFF2-40B4-BE49-F238E27FC236}">
-                <a16:creationId xmlns:a16="http://schemas.microsoft.com/office/drawing/2014/main" id="{65AF588E-A2A8-EF52-9EBB-66630E7CA49C}"/>
+                <a16:creationId xmlns:a16="http://schemas.microsoft.com/office/drawing/2014/main" id="{1F2EC2F8-BD6D-9A8E-7E26-68CA6441C6C1}"/>
               </a:ext>
             </a:extLst>
           </p:cNvPr>
@@ -990,7 +990,7 @@
           <p:cNvPr id="3" name="文本占位符 2">
             <a:extLst>
               <a:ext uri="{FF2B5EF4-FFF2-40B4-BE49-F238E27FC236}">
-                <a16:creationId xmlns:a16="http://schemas.microsoft.com/office/drawing/2014/main" id="{CD794F50-621C-6F62-D22D-5A3EFB6C5E33}"/>
+                <a16:creationId xmlns:a16="http://schemas.microsoft.com/office/drawing/2014/main" id="{60E2F0FB-9EAD-1E2B-A211-AF5CEC51D33F}"/>
               </a:ext>
             </a:extLst>
           </p:cNvPr>
@@ -1115,7 +1115,7 @@
           <p:cNvPr id="4" name="日期占位符 3">
             <a:extLst>
               <a:ext uri="{FF2B5EF4-FFF2-40B4-BE49-F238E27FC236}">
-                <a16:creationId xmlns:a16="http://schemas.microsoft.com/office/drawing/2014/main" id="{198A89DF-D0B8-BBA8-0EA1-A5F1BFA6372F}"/>
+                <a16:creationId xmlns:a16="http://schemas.microsoft.com/office/drawing/2014/main" id="{8C68C18D-CBAB-9EBE-7857-1D3CF1E8CE02}"/>
               </a:ext>
             </a:extLst>
           </p:cNvPr>
@@ -1131,7 +1131,7 @@
           <a:bodyPr/>
           <a:lstStyle/>
           <a:p>
-            <a:fld id="{5D310505-20E1-41E1-A188-E6A4CE066D20}" type="datetimeFigureOut">
+            <a:fld id="{52D7ADF4-24AA-4D49-B14E-74C327137F1D}" type="datetimeFigureOut">
               <a:rPr lang="zh-CN" altLang="en-US" smtClean="0"/>
               <a:t>2024/3/10</a:t>
             </a:fld>
@@ -1144,7 +1144,7 @@
           <p:cNvPr id="5" name="页脚占位符 4">
             <a:extLst>
               <a:ext uri="{FF2B5EF4-FFF2-40B4-BE49-F238E27FC236}">
-                <a16:creationId xmlns:a16="http://schemas.microsoft.com/office/drawing/2014/main" id="{B2F8A097-44D8-F59A-8CF5-F67C3D888001}"/>
+                <a16:creationId xmlns:a16="http://schemas.microsoft.com/office/drawing/2014/main" id="{EF9F8013-3C03-C1CD-8BB2-3C1676EE0DD5}"/>
               </a:ext>
             </a:extLst>
           </p:cNvPr>
@@ -1169,7 +1169,7 @@
           <p:cNvPr id="6" name="灯片编号占位符 5">
             <a:extLst>
               <a:ext uri="{FF2B5EF4-FFF2-40B4-BE49-F238E27FC236}">
-                <a16:creationId xmlns:a16="http://schemas.microsoft.com/office/drawing/2014/main" id="{7CA15D1B-5AE5-AF43-D3F2-605C79DEA113}"/>
+                <a16:creationId xmlns:a16="http://schemas.microsoft.com/office/drawing/2014/main" id="{90C52603-0986-FAEA-42DE-C3227DB2F6F8}"/>
               </a:ext>
             </a:extLst>
           </p:cNvPr>
@@ -1185,7 +1185,7 @@
           <a:bodyPr/>
           <a:lstStyle/>
           <a:p>
-            <a:fld id="{270E0005-A99C-4DC7-A977-26D7A5AAF2A1}" type="slidenum">
+            <a:fld id="{0134E993-5A7A-4A3C-9AEE-CA806376EDC8}" type="slidenum">
               <a:rPr lang="zh-CN" altLang="en-US" smtClean="0"/>
               <a:t>‹#›</a:t>
             </a:fld>
@@ -1196,7 +1196,7 @@
     </p:spTree>
     <p:extLst>
       <p:ext uri="{BB962C8B-B14F-4D97-AF65-F5344CB8AC3E}">
-        <p14:creationId xmlns:p14="http://schemas.microsoft.com/office/powerpoint/2010/main" val="336977807"/>
+        <p14:creationId xmlns:p14="http://schemas.microsoft.com/office/powerpoint/2010/main" val="359068133"/>
       </p:ext>
     </p:extLst>
   </p:cSld>
@@ -1228,7 +1228,7 @@
           <p:cNvPr id="2" name="标题 1">
             <a:extLst>
               <a:ext uri="{FF2B5EF4-FFF2-40B4-BE49-F238E27FC236}">
-                <a16:creationId xmlns:a16="http://schemas.microsoft.com/office/drawing/2014/main" id="{0F43644D-F7AB-8980-0C42-3BD14844270D}"/>
+                <a16:creationId xmlns:a16="http://schemas.microsoft.com/office/drawing/2014/main" id="{D1A8DF19-575F-462D-4182-1C0BECA8FC3E}"/>
               </a:ext>
             </a:extLst>
           </p:cNvPr>
@@ -1256,7 +1256,7 @@
           <p:cNvPr id="3" name="内容占位符 2">
             <a:extLst>
               <a:ext uri="{FF2B5EF4-FFF2-40B4-BE49-F238E27FC236}">
-                <a16:creationId xmlns:a16="http://schemas.microsoft.com/office/drawing/2014/main" id="{3DFC53C2-C18F-EDAD-1055-6BAFC8FDD072}"/>
+                <a16:creationId xmlns:a16="http://schemas.microsoft.com/office/drawing/2014/main" id="{86989118-8CC5-D932-639B-88C4D0B3F70C}"/>
               </a:ext>
             </a:extLst>
           </p:cNvPr>
@@ -1318,7 +1318,7 @@
           <p:cNvPr id="4" name="内容占位符 3">
             <a:extLst>
               <a:ext uri="{FF2B5EF4-FFF2-40B4-BE49-F238E27FC236}">
-                <a16:creationId xmlns:a16="http://schemas.microsoft.com/office/drawing/2014/main" id="{6F8A22E5-63A3-1B04-C7A6-D7D877F7D6E1}"/>
+                <a16:creationId xmlns:a16="http://schemas.microsoft.com/office/drawing/2014/main" id="{29847FD2-4110-5D04-E07C-73662331E91B}"/>
               </a:ext>
             </a:extLst>
           </p:cNvPr>
@@ -1380,7 +1380,7 @@
           <p:cNvPr id="5" name="日期占位符 4">
             <a:extLst>
               <a:ext uri="{FF2B5EF4-FFF2-40B4-BE49-F238E27FC236}">
-                <a16:creationId xmlns:a16="http://schemas.microsoft.com/office/drawing/2014/main" id="{CC3B615C-4719-8C56-51CA-F83DC86B8B6F}"/>
+                <a16:creationId xmlns:a16="http://schemas.microsoft.com/office/drawing/2014/main" id="{B33AF4A8-0985-54A2-BCCB-2627CE21C96A}"/>
               </a:ext>
             </a:extLst>
           </p:cNvPr>
@@ -1396,7 +1396,7 @@
           <a:bodyPr/>
           <a:lstStyle/>
           <a:p>
-            <a:fld id="{5D310505-20E1-41E1-A188-E6A4CE066D20}" type="datetimeFigureOut">
+            <a:fld id="{52D7ADF4-24AA-4D49-B14E-74C327137F1D}" type="datetimeFigureOut">
               <a:rPr lang="zh-CN" altLang="en-US" smtClean="0"/>
               <a:t>2024/3/10</a:t>
             </a:fld>
@@ -1409,7 +1409,7 @@
           <p:cNvPr id="6" name="页脚占位符 5">
             <a:extLst>
               <a:ext uri="{FF2B5EF4-FFF2-40B4-BE49-F238E27FC236}">
-                <a16:creationId xmlns:a16="http://schemas.microsoft.com/office/drawing/2014/main" id="{663F365A-1B51-C113-AFEA-40502606AF04}"/>
+                <a16:creationId xmlns:a16="http://schemas.microsoft.com/office/drawing/2014/main" id="{1CBFCFCD-045B-BB7D-4D31-9369FA9748BD}"/>
               </a:ext>
             </a:extLst>
           </p:cNvPr>
@@ -1434,7 +1434,7 @@
           <p:cNvPr id="7" name="灯片编号占位符 6">
             <a:extLst>
               <a:ext uri="{FF2B5EF4-FFF2-40B4-BE49-F238E27FC236}">
-                <a16:creationId xmlns:a16="http://schemas.microsoft.com/office/drawing/2014/main" id="{0EC9D711-E2C8-8122-DD63-7D3532EBD2AE}"/>
+                <a16:creationId xmlns:a16="http://schemas.microsoft.com/office/drawing/2014/main" id="{E403833E-12B8-C95C-F3AA-09676DC6F6F0}"/>
               </a:ext>
             </a:extLst>
           </p:cNvPr>
@@ -1450,7 +1450,7 @@
           <a:bodyPr/>
           <a:lstStyle/>
           <a:p>
-            <a:fld id="{270E0005-A99C-4DC7-A977-26D7A5AAF2A1}" type="slidenum">
+            <a:fld id="{0134E993-5A7A-4A3C-9AEE-CA806376EDC8}" type="slidenum">
               <a:rPr lang="zh-CN" altLang="en-US" smtClean="0"/>
               <a:t>‹#›</a:t>
             </a:fld>
@@ -1461,7 +1461,7 @@
     </p:spTree>
     <p:extLst>
       <p:ext uri="{BB962C8B-B14F-4D97-AF65-F5344CB8AC3E}">
-        <p14:creationId xmlns:p14="http://schemas.microsoft.com/office/powerpoint/2010/main" val="3382300867"/>
+        <p14:creationId xmlns:p14="http://schemas.microsoft.com/office/powerpoint/2010/main" val="3379603539"/>
       </p:ext>
     </p:extLst>
   </p:cSld>
@@ -1493,7 +1493,7 @@
           <p:cNvPr id="2" name="标题 1">
             <a:extLst>
               <a:ext uri="{FF2B5EF4-FFF2-40B4-BE49-F238E27FC236}">
-                <a16:creationId xmlns:a16="http://schemas.microsoft.com/office/drawing/2014/main" id="{8C331A55-61D2-722C-7EBE-195B9E121BEC}"/>
+                <a16:creationId xmlns:a16="http://schemas.microsoft.com/office/drawing/2014/main" id="{F695716F-AA0A-B23B-346A-250DF59F3F8C}"/>
               </a:ext>
             </a:extLst>
           </p:cNvPr>
@@ -1526,7 +1526,7 @@
           <p:cNvPr id="3" name="文本占位符 2">
             <a:extLst>
               <a:ext uri="{FF2B5EF4-FFF2-40B4-BE49-F238E27FC236}">
-                <a16:creationId xmlns:a16="http://schemas.microsoft.com/office/drawing/2014/main" id="{E1EC7727-8EBA-DD67-BFA8-E26517B3311D}"/>
+                <a16:creationId xmlns:a16="http://schemas.microsoft.com/office/drawing/2014/main" id="{2CBA1B2C-A53E-66B5-8FFB-6D23FABDBEFB}"/>
               </a:ext>
             </a:extLst>
           </p:cNvPr>
@@ -1597,7 +1597,7 @@
           <p:cNvPr id="4" name="内容占位符 3">
             <a:extLst>
               <a:ext uri="{FF2B5EF4-FFF2-40B4-BE49-F238E27FC236}">
-                <a16:creationId xmlns:a16="http://schemas.microsoft.com/office/drawing/2014/main" id="{70179000-647A-868A-FB28-7AF6F057F96A}"/>
+                <a16:creationId xmlns:a16="http://schemas.microsoft.com/office/drawing/2014/main" id="{0E9A5F4D-1626-6A3D-D506-BEE731528F2C}"/>
               </a:ext>
             </a:extLst>
           </p:cNvPr>
@@ -1659,7 +1659,7 @@
           <p:cNvPr id="5" name="文本占位符 4">
             <a:extLst>
               <a:ext uri="{FF2B5EF4-FFF2-40B4-BE49-F238E27FC236}">
-                <a16:creationId xmlns:a16="http://schemas.microsoft.com/office/drawing/2014/main" id="{003CEE23-0CB9-5414-8D60-E440D34787C7}"/>
+                <a16:creationId xmlns:a16="http://schemas.microsoft.com/office/drawing/2014/main" id="{998EC335-865D-91D8-9E03-7D0A0FE3E59B}"/>
               </a:ext>
             </a:extLst>
           </p:cNvPr>
@@ -1730,7 +1730,7 @@
           <p:cNvPr id="6" name="内容占位符 5">
             <a:extLst>
               <a:ext uri="{FF2B5EF4-FFF2-40B4-BE49-F238E27FC236}">
-                <a16:creationId xmlns:a16="http://schemas.microsoft.com/office/drawing/2014/main" id="{7B6EE04E-B3EB-E685-1090-D5DED1A9477A}"/>
+                <a16:creationId xmlns:a16="http://schemas.microsoft.com/office/drawing/2014/main" id="{82A6A0E0-F7F6-7D96-53CE-6D63E9144B78}"/>
               </a:ext>
             </a:extLst>
           </p:cNvPr>
@@ -1792,7 +1792,7 @@
           <p:cNvPr id="7" name="日期占位符 6">
             <a:extLst>
               <a:ext uri="{FF2B5EF4-FFF2-40B4-BE49-F238E27FC236}">
-                <a16:creationId xmlns:a16="http://schemas.microsoft.com/office/drawing/2014/main" id="{6FB937B4-CA71-EFDA-05B8-25DAAE1B6691}"/>
+                <a16:creationId xmlns:a16="http://schemas.microsoft.com/office/drawing/2014/main" id="{D9CAA6E8-B173-6B74-81DD-85DEAD83053E}"/>
               </a:ext>
             </a:extLst>
           </p:cNvPr>
@@ -1808,7 +1808,7 @@
           <a:bodyPr/>
           <a:lstStyle/>
           <a:p>
-            <a:fld id="{5D310505-20E1-41E1-A188-E6A4CE066D20}" type="datetimeFigureOut">
+            <a:fld id="{52D7ADF4-24AA-4D49-B14E-74C327137F1D}" type="datetimeFigureOut">
               <a:rPr lang="zh-CN" altLang="en-US" smtClean="0"/>
               <a:t>2024/3/10</a:t>
             </a:fld>
@@ -1821,7 +1821,7 @@
           <p:cNvPr id="8" name="页脚占位符 7">
             <a:extLst>
               <a:ext uri="{FF2B5EF4-FFF2-40B4-BE49-F238E27FC236}">
-                <a16:creationId xmlns:a16="http://schemas.microsoft.com/office/drawing/2014/main" id="{DDB176A8-A6A3-AFF4-4031-987D8594A52F}"/>
+                <a16:creationId xmlns:a16="http://schemas.microsoft.com/office/drawing/2014/main" id="{056F510A-FFC0-EE8D-75A4-142206BEA774}"/>
               </a:ext>
             </a:extLst>
           </p:cNvPr>
@@ -1846,7 +1846,7 @@
           <p:cNvPr id="9" name="灯片编号占位符 8">
             <a:extLst>
               <a:ext uri="{FF2B5EF4-FFF2-40B4-BE49-F238E27FC236}">
-                <a16:creationId xmlns:a16="http://schemas.microsoft.com/office/drawing/2014/main" id="{ECD11E82-AEF9-BDF2-FF45-BFB1184F92E8}"/>
+                <a16:creationId xmlns:a16="http://schemas.microsoft.com/office/drawing/2014/main" id="{E3AA3295-A8A2-A1A6-CB27-A1710D127671}"/>
               </a:ext>
             </a:extLst>
           </p:cNvPr>
@@ -1862,7 +1862,7 @@
           <a:bodyPr/>
           <a:lstStyle/>
           <a:p>
-            <a:fld id="{270E0005-A99C-4DC7-A977-26D7A5AAF2A1}" type="slidenum">
+            <a:fld id="{0134E993-5A7A-4A3C-9AEE-CA806376EDC8}" type="slidenum">
               <a:rPr lang="zh-CN" altLang="en-US" smtClean="0"/>
               <a:t>‹#›</a:t>
             </a:fld>
@@ -1873,7 +1873,7 @@
     </p:spTree>
     <p:extLst>
       <p:ext uri="{BB962C8B-B14F-4D97-AF65-F5344CB8AC3E}">
-        <p14:creationId xmlns:p14="http://schemas.microsoft.com/office/powerpoint/2010/main" val="2281865880"/>
+        <p14:creationId xmlns:p14="http://schemas.microsoft.com/office/powerpoint/2010/main" val="80134212"/>
       </p:ext>
     </p:extLst>
   </p:cSld>
@@ -1905,7 +1905,7 @@
           <p:cNvPr id="2" name="标题 1">
             <a:extLst>
               <a:ext uri="{FF2B5EF4-FFF2-40B4-BE49-F238E27FC236}">
-                <a16:creationId xmlns:a16="http://schemas.microsoft.com/office/drawing/2014/main" id="{6225F0B7-85E0-4C21-92B6-6FC35126FB87}"/>
+                <a16:creationId xmlns:a16="http://schemas.microsoft.com/office/drawing/2014/main" id="{395C3ED3-CE4E-698D-2529-32C2963978D1}"/>
               </a:ext>
             </a:extLst>
           </p:cNvPr>
@@ -1933,7 +1933,7 @@
           <p:cNvPr id="3" name="日期占位符 2">
             <a:extLst>
               <a:ext uri="{FF2B5EF4-FFF2-40B4-BE49-F238E27FC236}">
-                <a16:creationId xmlns:a16="http://schemas.microsoft.com/office/drawing/2014/main" id="{F9A65895-E564-40DB-3BA0-5C47A4D44720}"/>
+                <a16:creationId xmlns:a16="http://schemas.microsoft.com/office/drawing/2014/main" id="{74EE381C-48F8-E8A2-0742-B794D1A33193}"/>
               </a:ext>
             </a:extLst>
           </p:cNvPr>
@@ -1949,7 +1949,7 @@
           <a:bodyPr/>
           <a:lstStyle/>
           <a:p>
-            <a:fld id="{5D310505-20E1-41E1-A188-E6A4CE066D20}" type="datetimeFigureOut">
+            <a:fld id="{52D7ADF4-24AA-4D49-B14E-74C327137F1D}" type="datetimeFigureOut">
               <a:rPr lang="zh-CN" altLang="en-US" smtClean="0"/>
               <a:t>2024/3/10</a:t>
             </a:fld>
@@ -1962,7 +1962,7 @@
           <p:cNvPr id="4" name="页脚占位符 3">
             <a:extLst>
               <a:ext uri="{FF2B5EF4-FFF2-40B4-BE49-F238E27FC236}">
-                <a16:creationId xmlns:a16="http://schemas.microsoft.com/office/drawing/2014/main" id="{93230345-83D2-8C3C-3F9D-EF8F1E463C2C}"/>
+                <a16:creationId xmlns:a16="http://schemas.microsoft.com/office/drawing/2014/main" id="{15320DC2-77CF-8EF2-808E-C9B154D95D61}"/>
               </a:ext>
             </a:extLst>
           </p:cNvPr>
@@ -1987,7 +1987,7 @@
           <p:cNvPr id="5" name="灯片编号占位符 4">
             <a:extLst>
               <a:ext uri="{FF2B5EF4-FFF2-40B4-BE49-F238E27FC236}">
-                <a16:creationId xmlns:a16="http://schemas.microsoft.com/office/drawing/2014/main" id="{A42133E7-1FE2-86D4-2D1B-B94FD29E3313}"/>
+                <a16:creationId xmlns:a16="http://schemas.microsoft.com/office/drawing/2014/main" id="{3D020A06-1B4C-078C-4971-6801ECA6522B}"/>
               </a:ext>
             </a:extLst>
           </p:cNvPr>
@@ -2003,7 +2003,7 @@
           <a:bodyPr/>
           <a:lstStyle/>
           <a:p>
-            <a:fld id="{270E0005-A99C-4DC7-A977-26D7A5AAF2A1}" type="slidenum">
+            <a:fld id="{0134E993-5A7A-4A3C-9AEE-CA806376EDC8}" type="slidenum">
               <a:rPr lang="zh-CN" altLang="en-US" smtClean="0"/>
               <a:t>‹#›</a:t>
             </a:fld>
@@ -2014,7 +2014,7 @@
     </p:spTree>
     <p:extLst>
       <p:ext uri="{BB962C8B-B14F-4D97-AF65-F5344CB8AC3E}">
-        <p14:creationId xmlns:p14="http://schemas.microsoft.com/office/powerpoint/2010/main" val="152501298"/>
+        <p14:creationId xmlns:p14="http://schemas.microsoft.com/office/powerpoint/2010/main" val="1995529344"/>
       </p:ext>
     </p:extLst>
   </p:cSld>
@@ -2046,7 +2046,7 @@
           <p:cNvPr id="2" name="日期占位符 1">
             <a:extLst>
               <a:ext uri="{FF2B5EF4-FFF2-40B4-BE49-F238E27FC236}">
-                <a16:creationId xmlns:a16="http://schemas.microsoft.com/office/drawing/2014/main" id="{314AB4EE-CF77-62B4-C3AE-FFCD75D75D96}"/>
+                <a16:creationId xmlns:a16="http://schemas.microsoft.com/office/drawing/2014/main" id="{C3FC6441-D00D-E9DE-DC58-3DF00393A922}"/>
               </a:ext>
             </a:extLst>
           </p:cNvPr>
@@ -2062,7 +2062,7 @@
           <a:bodyPr/>
           <a:lstStyle/>
           <a:p>
-            <a:fld id="{5D310505-20E1-41E1-A188-E6A4CE066D20}" type="datetimeFigureOut">
+            <a:fld id="{52D7ADF4-24AA-4D49-B14E-74C327137F1D}" type="datetimeFigureOut">
               <a:rPr lang="zh-CN" altLang="en-US" smtClean="0"/>
               <a:t>2024/3/10</a:t>
             </a:fld>
@@ -2075,7 +2075,7 @@
           <p:cNvPr id="3" name="页脚占位符 2">
             <a:extLst>
               <a:ext uri="{FF2B5EF4-FFF2-40B4-BE49-F238E27FC236}">
-                <a16:creationId xmlns:a16="http://schemas.microsoft.com/office/drawing/2014/main" id="{97E16297-01A0-C2EB-4D6D-D1B46C8B906E}"/>
+                <a16:creationId xmlns:a16="http://schemas.microsoft.com/office/drawing/2014/main" id="{196D1444-94EB-1F50-AD04-671AA3F9F4A2}"/>
               </a:ext>
             </a:extLst>
           </p:cNvPr>
@@ -2100,7 +2100,7 @@
           <p:cNvPr id="4" name="灯片编号占位符 3">
             <a:extLst>
               <a:ext uri="{FF2B5EF4-FFF2-40B4-BE49-F238E27FC236}">
-                <a16:creationId xmlns:a16="http://schemas.microsoft.com/office/drawing/2014/main" id="{3982DBE8-A27D-0F16-B39D-A5DBAC7ADECB}"/>
+                <a16:creationId xmlns:a16="http://schemas.microsoft.com/office/drawing/2014/main" id="{6440DEB3-76B7-6370-47ED-183EE3CA3375}"/>
               </a:ext>
             </a:extLst>
           </p:cNvPr>
@@ -2116,7 +2116,7 @@
           <a:bodyPr/>
           <a:lstStyle/>
           <a:p>
-            <a:fld id="{270E0005-A99C-4DC7-A977-26D7A5AAF2A1}" type="slidenum">
+            <a:fld id="{0134E993-5A7A-4A3C-9AEE-CA806376EDC8}" type="slidenum">
               <a:rPr lang="zh-CN" altLang="en-US" smtClean="0"/>
               <a:t>‹#›</a:t>
             </a:fld>
@@ -2127,7 +2127,7 @@
     </p:spTree>
     <p:extLst>
       <p:ext uri="{BB962C8B-B14F-4D97-AF65-F5344CB8AC3E}">
-        <p14:creationId xmlns:p14="http://schemas.microsoft.com/office/powerpoint/2010/main" val="277870771"/>
+        <p14:creationId xmlns:p14="http://schemas.microsoft.com/office/powerpoint/2010/main" val="1957368028"/>
       </p:ext>
     </p:extLst>
   </p:cSld>
@@ -2159,7 +2159,7 @@
           <p:cNvPr id="2" name="标题 1">
             <a:extLst>
               <a:ext uri="{FF2B5EF4-FFF2-40B4-BE49-F238E27FC236}">
-                <a16:creationId xmlns:a16="http://schemas.microsoft.com/office/drawing/2014/main" id="{76702DED-81A9-39C1-077C-5E660B732199}"/>
+                <a16:creationId xmlns:a16="http://schemas.microsoft.com/office/drawing/2014/main" id="{779D23E5-917D-BD55-F7F3-627D4390956D}"/>
               </a:ext>
             </a:extLst>
           </p:cNvPr>
@@ -2196,7 +2196,7 @@
           <p:cNvPr id="3" name="内容占位符 2">
             <a:extLst>
               <a:ext uri="{FF2B5EF4-FFF2-40B4-BE49-F238E27FC236}">
-                <a16:creationId xmlns:a16="http://schemas.microsoft.com/office/drawing/2014/main" id="{4D47D018-F13C-7953-B5E7-E6812EAAA972}"/>
+                <a16:creationId xmlns:a16="http://schemas.microsoft.com/office/drawing/2014/main" id="{76384E7F-7484-CC6A-7BE4-05179C715249}"/>
               </a:ext>
             </a:extLst>
           </p:cNvPr>
@@ -2286,7 +2286,7 @@
           <p:cNvPr id="4" name="文本占位符 3">
             <a:extLst>
               <a:ext uri="{FF2B5EF4-FFF2-40B4-BE49-F238E27FC236}">
-                <a16:creationId xmlns:a16="http://schemas.microsoft.com/office/drawing/2014/main" id="{5A5F2E78-3AC1-44EE-2515-6E866B3D90F7}"/>
+                <a16:creationId xmlns:a16="http://schemas.microsoft.com/office/drawing/2014/main" id="{A81F0B58-48FC-DD47-045D-33BF0D835AD9}"/>
               </a:ext>
             </a:extLst>
           </p:cNvPr>
@@ -2357,7 +2357,7 @@
           <p:cNvPr id="5" name="日期占位符 4">
             <a:extLst>
               <a:ext uri="{FF2B5EF4-FFF2-40B4-BE49-F238E27FC236}">
-                <a16:creationId xmlns:a16="http://schemas.microsoft.com/office/drawing/2014/main" id="{30D01AF7-3E89-AB61-2551-9AEB96349E98}"/>
+                <a16:creationId xmlns:a16="http://schemas.microsoft.com/office/drawing/2014/main" id="{AAC49390-EA9A-CAA4-CAEE-5200C843C76B}"/>
               </a:ext>
             </a:extLst>
           </p:cNvPr>
@@ -2373,7 +2373,7 @@
           <a:bodyPr/>
           <a:lstStyle/>
           <a:p>
-            <a:fld id="{5D310505-20E1-41E1-A188-E6A4CE066D20}" type="datetimeFigureOut">
+            <a:fld id="{52D7ADF4-24AA-4D49-B14E-74C327137F1D}" type="datetimeFigureOut">
               <a:rPr lang="zh-CN" altLang="en-US" smtClean="0"/>
               <a:t>2024/3/10</a:t>
             </a:fld>
@@ -2386,7 +2386,7 @@
           <p:cNvPr id="6" name="页脚占位符 5">
             <a:extLst>
               <a:ext uri="{FF2B5EF4-FFF2-40B4-BE49-F238E27FC236}">
-                <a16:creationId xmlns:a16="http://schemas.microsoft.com/office/drawing/2014/main" id="{862DA2A4-2E15-18BD-9CB0-0287CFA41791}"/>
+                <a16:creationId xmlns:a16="http://schemas.microsoft.com/office/drawing/2014/main" id="{77626911-CB36-43BF-232E-117746A90BAD}"/>
               </a:ext>
             </a:extLst>
           </p:cNvPr>
@@ -2411,7 +2411,7 @@
           <p:cNvPr id="7" name="灯片编号占位符 6">
             <a:extLst>
               <a:ext uri="{FF2B5EF4-FFF2-40B4-BE49-F238E27FC236}">
-                <a16:creationId xmlns:a16="http://schemas.microsoft.com/office/drawing/2014/main" id="{99A76BDA-6953-B9C2-845A-122B683C6093}"/>
+                <a16:creationId xmlns:a16="http://schemas.microsoft.com/office/drawing/2014/main" id="{739EC0F4-6DDD-FE27-6AD1-3CE1C58EE921}"/>
               </a:ext>
             </a:extLst>
           </p:cNvPr>
@@ -2427,7 +2427,7 @@
           <a:bodyPr/>
           <a:lstStyle/>
           <a:p>
-            <a:fld id="{270E0005-A99C-4DC7-A977-26D7A5AAF2A1}" type="slidenum">
+            <a:fld id="{0134E993-5A7A-4A3C-9AEE-CA806376EDC8}" type="slidenum">
               <a:rPr lang="zh-CN" altLang="en-US" smtClean="0"/>
               <a:t>‹#›</a:t>
             </a:fld>
@@ -2438,7 +2438,7 @@
     </p:spTree>
     <p:extLst>
       <p:ext uri="{BB962C8B-B14F-4D97-AF65-F5344CB8AC3E}">
-        <p14:creationId xmlns:p14="http://schemas.microsoft.com/office/powerpoint/2010/main" val="1891127246"/>
+        <p14:creationId xmlns:p14="http://schemas.microsoft.com/office/powerpoint/2010/main" val="1962816363"/>
       </p:ext>
     </p:extLst>
   </p:cSld>
@@ -2470,7 +2470,7 @@
           <p:cNvPr id="2" name="标题 1">
             <a:extLst>
               <a:ext uri="{FF2B5EF4-FFF2-40B4-BE49-F238E27FC236}">
-                <a16:creationId xmlns:a16="http://schemas.microsoft.com/office/drawing/2014/main" id="{F0D0A21C-0580-2D49-3BB2-F3FF99A9466B}"/>
+                <a16:creationId xmlns:a16="http://schemas.microsoft.com/office/drawing/2014/main" id="{7CF967E8-31C4-23FE-8D9F-BAA6526F2D20}"/>
               </a:ext>
             </a:extLst>
           </p:cNvPr>
@@ -2507,7 +2507,7 @@
           <p:cNvPr id="3" name="图片占位符 2">
             <a:extLst>
               <a:ext uri="{FF2B5EF4-FFF2-40B4-BE49-F238E27FC236}">
-                <a16:creationId xmlns:a16="http://schemas.microsoft.com/office/drawing/2014/main" id="{0286CA67-12C4-0B24-F265-55CE903640C1}"/>
+                <a16:creationId xmlns:a16="http://schemas.microsoft.com/office/drawing/2014/main" id="{5287F597-72A4-DA06-9DC0-88A782971056}"/>
               </a:ext>
             </a:extLst>
           </p:cNvPr>
@@ -2574,7 +2574,7 @@
           <p:cNvPr id="4" name="文本占位符 3">
             <a:extLst>
               <a:ext uri="{FF2B5EF4-FFF2-40B4-BE49-F238E27FC236}">
-                <a16:creationId xmlns:a16="http://schemas.microsoft.com/office/drawing/2014/main" id="{40F3077C-A2C6-AC3C-9FFD-321AB624A4B7}"/>
+                <a16:creationId xmlns:a16="http://schemas.microsoft.com/office/drawing/2014/main" id="{28CA2451-40C4-4A60-15BF-BB686D5C29FF}"/>
               </a:ext>
             </a:extLst>
           </p:cNvPr>
@@ -2645,7 +2645,7 @@
           <p:cNvPr id="5" name="日期占位符 4">
             <a:extLst>
               <a:ext uri="{FF2B5EF4-FFF2-40B4-BE49-F238E27FC236}">
-                <a16:creationId xmlns:a16="http://schemas.microsoft.com/office/drawing/2014/main" id="{BD896812-4A56-D0C3-1303-D011185768DA}"/>
+                <a16:creationId xmlns:a16="http://schemas.microsoft.com/office/drawing/2014/main" id="{160A1D87-EB7B-66CC-E405-5B13F367B029}"/>
               </a:ext>
             </a:extLst>
           </p:cNvPr>
@@ -2661,7 +2661,7 @@
           <a:bodyPr/>
           <a:lstStyle/>
           <a:p>
-            <a:fld id="{5D310505-20E1-41E1-A188-E6A4CE066D20}" type="datetimeFigureOut">
+            <a:fld id="{52D7ADF4-24AA-4D49-B14E-74C327137F1D}" type="datetimeFigureOut">
               <a:rPr lang="zh-CN" altLang="en-US" smtClean="0"/>
               <a:t>2024/3/10</a:t>
             </a:fld>
@@ -2674,7 +2674,7 @@
           <p:cNvPr id="6" name="页脚占位符 5">
             <a:extLst>
               <a:ext uri="{FF2B5EF4-FFF2-40B4-BE49-F238E27FC236}">
-                <a16:creationId xmlns:a16="http://schemas.microsoft.com/office/drawing/2014/main" id="{D931ED9B-36DD-A093-48FE-AC5206AA16BE}"/>
+                <a16:creationId xmlns:a16="http://schemas.microsoft.com/office/drawing/2014/main" id="{CD61F5F9-0AE4-04FA-437A-A21C0077FE48}"/>
               </a:ext>
             </a:extLst>
           </p:cNvPr>
@@ -2699,7 +2699,7 @@
           <p:cNvPr id="7" name="灯片编号占位符 6">
             <a:extLst>
               <a:ext uri="{FF2B5EF4-FFF2-40B4-BE49-F238E27FC236}">
-                <a16:creationId xmlns:a16="http://schemas.microsoft.com/office/drawing/2014/main" id="{BC1D0197-41EE-381B-8A67-E0B74928B4E4}"/>
+                <a16:creationId xmlns:a16="http://schemas.microsoft.com/office/drawing/2014/main" id="{4049FD90-C629-2B53-4C90-8B7698BA13E7}"/>
               </a:ext>
             </a:extLst>
           </p:cNvPr>
@@ -2715,7 +2715,7 @@
           <a:bodyPr/>
           <a:lstStyle/>
           <a:p>
-            <a:fld id="{270E0005-A99C-4DC7-A977-26D7A5AAF2A1}" type="slidenum">
+            <a:fld id="{0134E993-5A7A-4A3C-9AEE-CA806376EDC8}" type="slidenum">
               <a:rPr lang="zh-CN" altLang="en-US" smtClean="0"/>
               <a:t>‹#›</a:t>
             </a:fld>
@@ -2726,7 +2726,7 @@
     </p:spTree>
     <p:extLst>
       <p:ext uri="{BB962C8B-B14F-4D97-AF65-F5344CB8AC3E}">
-        <p14:creationId xmlns:p14="http://schemas.microsoft.com/office/powerpoint/2010/main" val="3773901865"/>
+        <p14:creationId xmlns:p14="http://schemas.microsoft.com/office/powerpoint/2010/main" val="1551450315"/>
       </p:ext>
     </p:extLst>
   </p:cSld>
@@ -2763,7 +2763,7 @@
           <p:cNvPr id="2" name="标题占位符 1">
             <a:extLst>
               <a:ext uri="{FF2B5EF4-FFF2-40B4-BE49-F238E27FC236}">
-                <a16:creationId xmlns:a16="http://schemas.microsoft.com/office/drawing/2014/main" id="{43C72F16-6163-CC15-6960-ABC8D41009A8}"/>
+                <a16:creationId xmlns:a16="http://schemas.microsoft.com/office/drawing/2014/main" id="{15654BA5-EFA9-1C88-EBDE-68B908496850}"/>
               </a:ext>
             </a:extLst>
           </p:cNvPr>
@@ -2801,7 +2801,7 @@
           <p:cNvPr id="3" name="文本占位符 2">
             <a:extLst>
               <a:ext uri="{FF2B5EF4-FFF2-40B4-BE49-F238E27FC236}">
-                <a16:creationId xmlns:a16="http://schemas.microsoft.com/office/drawing/2014/main" id="{C950C0F5-617F-4729-3665-FED3DF14A86D}"/>
+                <a16:creationId xmlns:a16="http://schemas.microsoft.com/office/drawing/2014/main" id="{A56E2107-D609-C4B9-0372-D5A2030A5BA2}"/>
               </a:ext>
             </a:extLst>
           </p:cNvPr>
@@ -2868,7 +2868,7 @@
           <p:cNvPr id="4" name="日期占位符 3">
             <a:extLst>
               <a:ext uri="{FF2B5EF4-FFF2-40B4-BE49-F238E27FC236}">
-                <a16:creationId xmlns:a16="http://schemas.microsoft.com/office/drawing/2014/main" id="{2738F396-1892-CE2A-B337-42806B587411}"/>
+                <a16:creationId xmlns:a16="http://schemas.microsoft.com/office/drawing/2014/main" id="{E98A9347-80EF-3962-E43C-E5DA49DBA1EA}"/>
               </a:ext>
             </a:extLst>
           </p:cNvPr>
@@ -2902,7 +2902,7 @@
             </a:lvl1pPr>
           </a:lstStyle>
           <a:p>
-            <a:fld id="{5D310505-20E1-41E1-A188-E6A4CE066D20}" type="datetimeFigureOut">
+            <a:fld id="{52D7ADF4-24AA-4D49-B14E-74C327137F1D}" type="datetimeFigureOut">
               <a:rPr lang="zh-CN" altLang="en-US" smtClean="0"/>
               <a:t>2024/3/10</a:t>
             </a:fld>
@@ -2915,7 +2915,7 @@
           <p:cNvPr id="5" name="页脚占位符 4">
             <a:extLst>
               <a:ext uri="{FF2B5EF4-FFF2-40B4-BE49-F238E27FC236}">
-                <a16:creationId xmlns:a16="http://schemas.microsoft.com/office/drawing/2014/main" id="{63353B97-F52D-A5EC-F5DD-43A8A879C028}"/>
+                <a16:creationId xmlns:a16="http://schemas.microsoft.com/office/drawing/2014/main" id="{EB952EE2-5DA4-E3F0-18D5-CDAD45A3FD06}"/>
               </a:ext>
             </a:extLst>
           </p:cNvPr>
@@ -2958,7 +2958,7 @@
           <p:cNvPr id="6" name="灯片编号占位符 5">
             <a:extLst>
               <a:ext uri="{FF2B5EF4-FFF2-40B4-BE49-F238E27FC236}">
-                <a16:creationId xmlns:a16="http://schemas.microsoft.com/office/drawing/2014/main" id="{F4FF4367-3117-8DBC-5D7B-5918186A5EB7}"/>
+                <a16:creationId xmlns:a16="http://schemas.microsoft.com/office/drawing/2014/main" id="{CC197A03-E4F5-D0C0-3C20-9DB44D1F2481}"/>
               </a:ext>
             </a:extLst>
           </p:cNvPr>
@@ -2992,7 +2992,7 @@
             </a:lvl1pPr>
           </a:lstStyle>
           <a:p>
-            <a:fld id="{270E0005-A99C-4DC7-A977-26D7A5AAF2A1}" type="slidenum">
+            <a:fld id="{0134E993-5A7A-4A3C-9AEE-CA806376EDC8}" type="slidenum">
               <a:rPr lang="zh-CN" altLang="en-US" smtClean="0"/>
               <a:t>‹#›</a:t>
             </a:fld>
@@ -3003,7 +3003,7 @@
     </p:spTree>
     <p:extLst>
       <p:ext uri="{BB962C8B-B14F-4D97-AF65-F5344CB8AC3E}">
-        <p14:creationId xmlns:p14="http://schemas.microsoft.com/office/powerpoint/2010/main" val="3504423810"/>
+        <p14:creationId xmlns:p14="http://schemas.microsoft.com/office/powerpoint/2010/main" val="4023275746"/>
       </p:ext>
     </p:extLst>
   </p:cSld>
